--- a/변수변환 임용고시 2016.pptx
+++ b/변수변환 임용고시 2016.pptx
@@ -11,8 +11,9 @@
     <p:sldId id="262" r:id="rId5"/>
     <p:sldId id="267" r:id="rId6"/>
     <p:sldId id="266" r:id="rId7"/>
-    <p:sldId id="263" r:id="rId8"/>
-    <p:sldId id="268" r:id="rId9"/>
+    <p:sldId id="268" r:id="rId8"/>
+    <p:sldId id="271" r:id="rId9"/>
+    <p:sldId id="270" r:id="rId10"/>
   </p:sldIdLst>
   <p:sldSz cx="12192000" cy="6858000"/>
   <p:notesSz cx="6858000" cy="9144000"/>
@@ -161,10 +162,9 @@
           </a:lstStyle>
           <a:p>
             <a:r>
-              <a:rPr lang="en-US" smtClean="0"/>
+              <a:rPr lang="en-US"/>
               <a:t>Click to edit Master title style</a:t>
             </a:r>
-            <a:endParaRPr lang="en-US"/>
           </a:p>
         </p:txBody>
       </p:sp>
@@ -226,10 +226,9 @@
           </a:lstStyle>
           <a:p>
             <a:r>
-              <a:rPr lang="en-US" smtClean="0"/>
+              <a:rPr lang="en-US"/>
               <a:t>Click to edit Master subtitle style</a:t>
             </a:r>
-            <a:endParaRPr lang="en-US"/>
           </a:p>
         </p:txBody>
       </p:sp>
@@ -250,7 +249,7 @@
           <a:p>
             <a:fld id="{5B3AD1D6-AE87-C841-B3FD-7C9F7FCAE5AE}" type="datetimeFigureOut">
               <a:rPr lang="en-US" smtClean="0"/>
-              <a:t>12/15/19</a:t>
+              <a:t>12/20/19</a:t>
             </a:fld>
             <a:endParaRPr lang="en-US"/>
           </a:p>
@@ -344,10 +343,9 @@
           <a:lstStyle/>
           <a:p>
             <a:r>
-              <a:rPr lang="en-US" smtClean="0"/>
+              <a:rPr lang="en-US"/>
               <a:t>Click to edit Master title style</a:t>
             </a:r>
-            <a:endParaRPr lang="en-US"/>
           </a:p>
         </p:txBody>
       </p:sp>
@@ -368,38 +366,37 @@
           <a:p>
             <a:pPr lvl="0"/>
             <a:r>
-              <a:rPr lang="en-US" smtClean="0"/>
+              <a:rPr lang="en-US"/>
               <a:t>Click to edit Master text styles</a:t>
             </a:r>
           </a:p>
           <a:p>
             <a:pPr lvl="1"/>
             <a:r>
-              <a:rPr lang="en-US" smtClean="0"/>
+              <a:rPr lang="en-US"/>
               <a:t>Second level</a:t>
             </a:r>
           </a:p>
           <a:p>
             <a:pPr lvl="2"/>
             <a:r>
-              <a:rPr lang="en-US" smtClean="0"/>
+              <a:rPr lang="en-US"/>
               <a:t>Third level</a:t>
             </a:r>
           </a:p>
           <a:p>
             <a:pPr lvl="3"/>
             <a:r>
-              <a:rPr lang="en-US" smtClean="0"/>
+              <a:rPr lang="en-US"/>
               <a:t>Fourth level</a:t>
             </a:r>
           </a:p>
           <a:p>
             <a:pPr lvl="4"/>
             <a:r>
-              <a:rPr lang="en-US" smtClean="0"/>
+              <a:rPr lang="en-US"/>
               <a:t>Fifth level</a:t>
             </a:r>
-            <a:endParaRPr lang="en-US"/>
           </a:p>
         </p:txBody>
       </p:sp>
@@ -420,7 +417,7 @@
           <a:p>
             <a:fld id="{5B3AD1D6-AE87-C841-B3FD-7C9F7FCAE5AE}" type="datetimeFigureOut">
               <a:rPr lang="en-US" smtClean="0"/>
-              <a:t>12/15/19</a:t>
+              <a:t>12/20/19</a:t>
             </a:fld>
             <a:endParaRPr lang="en-US"/>
           </a:p>
@@ -519,10 +516,9 @@
           <a:lstStyle/>
           <a:p>
             <a:r>
-              <a:rPr lang="en-US" smtClean="0"/>
+              <a:rPr lang="en-US"/>
               <a:t>Click to edit Master title style</a:t>
             </a:r>
-            <a:endParaRPr lang="en-US"/>
           </a:p>
         </p:txBody>
       </p:sp>
@@ -548,38 +544,37 @@
           <a:p>
             <a:pPr lvl="0"/>
             <a:r>
-              <a:rPr lang="en-US" smtClean="0"/>
+              <a:rPr lang="en-US"/>
               <a:t>Click to edit Master text styles</a:t>
             </a:r>
           </a:p>
           <a:p>
             <a:pPr lvl="1"/>
             <a:r>
-              <a:rPr lang="en-US" smtClean="0"/>
+              <a:rPr lang="en-US"/>
               <a:t>Second level</a:t>
             </a:r>
           </a:p>
           <a:p>
             <a:pPr lvl="2"/>
             <a:r>
-              <a:rPr lang="en-US" smtClean="0"/>
+              <a:rPr lang="en-US"/>
               <a:t>Third level</a:t>
             </a:r>
           </a:p>
           <a:p>
             <a:pPr lvl="3"/>
             <a:r>
-              <a:rPr lang="en-US" smtClean="0"/>
+              <a:rPr lang="en-US"/>
               <a:t>Fourth level</a:t>
             </a:r>
           </a:p>
           <a:p>
             <a:pPr lvl="4"/>
             <a:r>
-              <a:rPr lang="en-US" smtClean="0"/>
+              <a:rPr lang="en-US"/>
               <a:t>Fifth level</a:t>
             </a:r>
-            <a:endParaRPr lang="en-US"/>
           </a:p>
         </p:txBody>
       </p:sp>
@@ -600,7 +595,7 @@
           <a:p>
             <a:fld id="{5B3AD1D6-AE87-C841-B3FD-7C9F7FCAE5AE}" type="datetimeFigureOut">
               <a:rPr lang="en-US" smtClean="0"/>
-              <a:t>12/15/19</a:t>
+              <a:t>12/20/19</a:t>
             </a:fld>
             <a:endParaRPr lang="en-US"/>
           </a:p>
@@ -694,10 +689,9 @@
           <a:lstStyle/>
           <a:p>
             <a:r>
-              <a:rPr lang="en-US" smtClean="0"/>
+              <a:rPr lang="en-US"/>
               <a:t>Click to edit Master title style</a:t>
             </a:r>
-            <a:endParaRPr lang="en-US"/>
           </a:p>
         </p:txBody>
       </p:sp>
@@ -718,38 +712,37 @@
           <a:p>
             <a:pPr lvl="0"/>
             <a:r>
-              <a:rPr lang="en-US" smtClean="0"/>
+              <a:rPr lang="en-US"/>
               <a:t>Click to edit Master text styles</a:t>
             </a:r>
           </a:p>
           <a:p>
             <a:pPr lvl="1"/>
             <a:r>
-              <a:rPr lang="en-US" smtClean="0"/>
+              <a:rPr lang="en-US"/>
               <a:t>Second level</a:t>
             </a:r>
           </a:p>
           <a:p>
             <a:pPr lvl="2"/>
             <a:r>
-              <a:rPr lang="en-US" smtClean="0"/>
+              <a:rPr lang="en-US"/>
               <a:t>Third level</a:t>
             </a:r>
           </a:p>
           <a:p>
             <a:pPr lvl="3"/>
             <a:r>
-              <a:rPr lang="en-US" smtClean="0"/>
+              <a:rPr lang="en-US"/>
               <a:t>Fourth level</a:t>
             </a:r>
           </a:p>
           <a:p>
             <a:pPr lvl="4"/>
             <a:r>
-              <a:rPr lang="en-US" smtClean="0"/>
+              <a:rPr lang="en-US"/>
               <a:t>Fifth level</a:t>
             </a:r>
-            <a:endParaRPr lang="en-US"/>
           </a:p>
         </p:txBody>
       </p:sp>
@@ -770,7 +763,7 @@
           <a:p>
             <a:fld id="{5B3AD1D6-AE87-C841-B3FD-7C9F7FCAE5AE}" type="datetimeFigureOut">
               <a:rPr lang="en-US" smtClean="0"/>
-              <a:t>12/15/19</a:t>
+              <a:t>12/20/19</a:t>
             </a:fld>
             <a:endParaRPr lang="en-US"/>
           </a:p>
@@ -873,10 +866,9 @@
           </a:lstStyle>
           <a:p>
             <a:r>
-              <a:rPr lang="en-US" smtClean="0"/>
+              <a:rPr lang="en-US"/>
               <a:t>Click to edit Master title style</a:t>
             </a:r>
-            <a:endParaRPr lang="en-US"/>
           </a:p>
         </p:txBody>
       </p:sp>
@@ -993,7 +985,7 @@
           <a:p>
             <a:pPr lvl="0"/>
             <a:r>
-              <a:rPr lang="en-US" smtClean="0"/>
+              <a:rPr lang="en-US"/>
               <a:t>Click to edit Master text styles</a:t>
             </a:r>
           </a:p>
@@ -1016,7 +1008,7 @@
           <a:p>
             <a:fld id="{5B3AD1D6-AE87-C841-B3FD-7C9F7FCAE5AE}" type="datetimeFigureOut">
               <a:rPr lang="en-US" smtClean="0"/>
-              <a:t>12/15/19</a:t>
+              <a:t>12/20/19</a:t>
             </a:fld>
             <a:endParaRPr lang="en-US"/>
           </a:p>
@@ -1110,10 +1102,9 @@
           <a:lstStyle/>
           <a:p>
             <a:r>
-              <a:rPr lang="en-US" smtClean="0"/>
+              <a:rPr lang="en-US"/>
               <a:t>Click to edit Master title style</a:t>
             </a:r>
-            <a:endParaRPr lang="en-US"/>
           </a:p>
         </p:txBody>
       </p:sp>
@@ -1139,38 +1130,37 @@
           <a:p>
             <a:pPr lvl="0"/>
             <a:r>
-              <a:rPr lang="en-US" smtClean="0"/>
+              <a:rPr lang="en-US"/>
               <a:t>Click to edit Master text styles</a:t>
             </a:r>
           </a:p>
           <a:p>
             <a:pPr lvl="1"/>
             <a:r>
-              <a:rPr lang="en-US" smtClean="0"/>
+              <a:rPr lang="en-US"/>
               <a:t>Second level</a:t>
             </a:r>
           </a:p>
           <a:p>
             <a:pPr lvl="2"/>
             <a:r>
-              <a:rPr lang="en-US" smtClean="0"/>
+              <a:rPr lang="en-US"/>
               <a:t>Third level</a:t>
             </a:r>
           </a:p>
           <a:p>
             <a:pPr lvl="3"/>
             <a:r>
-              <a:rPr lang="en-US" smtClean="0"/>
+              <a:rPr lang="en-US"/>
               <a:t>Fourth level</a:t>
             </a:r>
           </a:p>
           <a:p>
             <a:pPr lvl="4"/>
             <a:r>
-              <a:rPr lang="en-US" smtClean="0"/>
+              <a:rPr lang="en-US"/>
               <a:t>Fifth level</a:t>
             </a:r>
-            <a:endParaRPr lang="en-US"/>
           </a:p>
         </p:txBody>
       </p:sp>
@@ -1196,38 +1186,37 @@
           <a:p>
             <a:pPr lvl="0"/>
             <a:r>
-              <a:rPr lang="en-US" smtClean="0"/>
+              <a:rPr lang="en-US"/>
               <a:t>Click to edit Master text styles</a:t>
             </a:r>
           </a:p>
           <a:p>
             <a:pPr lvl="1"/>
             <a:r>
-              <a:rPr lang="en-US" smtClean="0"/>
+              <a:rPr lang="en-US"/>
               <a:t>Second level</a:t>
             </a:r>
           </a:p>
           <a:p>
             <a:pPr lvl="2"/>
             <a:r>
-              <a:rPr lang="en-US" smtClean="0"/>
+              <a:rPr lang="en-US"/>
               <a:t>Third level</a:t>
             </a:r>
           </a:p>
           <a:p>
             <a:pPr lvl="3"/>
             <a:r>
-              <a:rPr lang="en-US" smtClean="0"/>
+              <a:rPr lang="en-US"/>
               <a:t>Fourth level</a:t>
             </a:r>
           </a:p>
           <a:p>
             <a:pPr lvl="4"/>
             <a:r>
-              <a:rPr lang="en-US" smtClean="0"/>
+              <a:rPr lang="en-US"/>
               <a:t>Fifth level</a:t>
             </a:r>
-            <a:endParaRPr lang="en-US"/>
           </a:p>
         </p:txBody>
       </p:sp>
@@ -1248,7 +1237,7 @@
           <a:p>
             <a:fld id="{5B3AD1D6-AE87-C841-B3FD-7C9F7FCAE5AE}" type="datetimeFigureOut">
               <a:rPr lang="en-US" smtClean="0"/>
-              <a:t>12/15/19</a:t>
+              <a:t>12/20/19</a:t>
             </a:fld>
             <a:endParaRPr lang="en-US"/>
           </a:p>
@@ -1347,10 +1336,9 @@
           <a:lstStyle/>
           <a:p>
             <a:r>
-              <a:rPr lang="en-US" smtClean="0"/>
+              <a:rPr lang="en-US"/>
               <a:t>Click to edit Master title style</a:t>
             </a:r>
-            <a:endParaRPr lang="en-US"/>
           </a:p>
         </p:txBody>
       </p:sp>
@@ -1413,7 +1401,7 @@
           <a:p>
             <a:pPr lvl="0"/>
             <a:r>
-              <a:rPr lang="en-US" smtClean="0"/>
+              <a:rPr lang="en-US"/>
               <a:t>Click to edit Master text styles</a:t>
             </a:r>
           </a:p>
@@ -1441,38 +1429,37 @@
           <a:p>
             <a:pPr lvl="0"/>
             <a:r>
-              <a:rPr lang="en-US" smtClean="0"/>
+              <a:rPr lang="en-US"/>
               <a:t>Click to edit Master text styles</a:t>
             </a:r>
           </a:p>
           <a:p>
             <a:pPr lvl="1"/>
             <a:r>
-              <a:rPr lang="en-US" smtClean="0"/>
+              <a:rPr lang="en-US"/>
               <a:t>Second level</a:t>
             </a:r>
           </a:p>
           <a:p>
             <a:pPr lvl="2"/>
             <a:r>
-              <a:rPr lang="en-US" smtClean="0"/>
+              <a:rPr lang="en-US"/>
               <a:t>Third level</a:t>
             </a:r>
           </a:p>
           <a:p>
             <a:pPr lvl="3"/>
             <a:r>
-              <a:rPr lang="en-US" smtClean="0"/>
+              <a:rPr lang="en-US"/>
               <a:t>Fourth level</a:t>
             </a:r>
           </a:p>
           <a:p>
             <a:pPr lvl="4"/>
             <a:r>
-              <a:rPr lang="en-US" smtClean="0"/>
+              <a:rPr lang="en-US"/>
               <a:t>Fifth level</a:t>
             </a:r>
-            <a:endParaRPr lang="en-US"/>
           </a:p>
         </p:txBody>
       </p:sp>
@@ -1535,7 +1522,7 @@
           <a:p>
             <a:pPr lvl="0"/>
             <a:r>
-              <a:rPr lang="en-US" smtClean="0"/>
+              <a:rPr lang="en-US"/>
               <a:t>Click to edit Master text styles</a:t>
             </a:r>
           </a:p>
@@ -1563,38 +1550,37 @@
           <a:p>
             <a:pPr lvl="0"/>
             <a:r>
-              <a:rPr lang="en-US" smtClean="0"/>
+              <a:rPr lang="en-US"/>
               <a:t>Click to edit Master text styles</a:t>
             </a:r>
           </a:p>
           <a:p>
             <a:pPr lvl="1"/>
             <a:r>
-              <a:rPr lang="en-US" smtClean="0"/>
+              <a:rPr lang="en-US"/>
               <a:t>Second level</a:t>
             </a:r>
           </a:p>
           <a:p>
             <a:pPr lvl="2"/>
             <a:r>
-              <a:rPr lang="en-US" smtClean="0"/>
+              <a:rPr lang="en-US"/>
               <a:t>Third level</a:t>
             </a:r>
           </a:p>
           <a:p>
             <a:pPr lvl="3"/>
             <a:r>
-              <a:rPr lang="en-US" smtClean="0"/>
+              <a:rPr lang="en-US"/>
               <a:t>Fourth level</a:t>
             </a:r>
           </a:p>
           <a:p>
             <a:pPr lvl="4"/>
             <a:r>
-              <a:rPr lang="en-US" smtClean="0"/>
+              <a:rPr lang="en-US"/>
               <a:t>Fifth level</a:t>
             </a:r>
-            <a:endParaRPr lang="en-US"/>
           </a:p>
         </p:txBody>
       </p:sp>
@@ -1615,7 +1601,7 @@
           <a:p>
             <a:fld id="{5B3AD1D6-AE87-C841-B3FD-7C9F7FCAE5AE}" type="datetimeFigureOut">
               <a:rPr lang="en-US" smtClean="0"/>
-              <a:t>12/15/19</a:t>
+              <a:t>12/20/19</a:t>
             </a:fld>
             <a:endParaRPr lang="en-US"/>
           </a:p>
@@ -1709,10 +1695,9 @@
           <a:lstStyle/>
           <a:p>
             <a:r>
-              <a:rPr lang="en-US" smtClean="0"/>
+              <a:rPr lang="en-US"/>
               <a:t>Click to edit Master title style</a:t>
             </a:r>
-            <a:endParaRPr lang="en-US"/>
           </a:p>
         </p:txBody>
       </p:sp>
@@ -1733,7 +1718,7 @@
           <a:p>
             <a:fld id="{5B3AD1D6-AE87-C841-B3FD-7C9F7FCAE5AE}" type="datetimeFigureOut">
               <a:rPr lang="en-US" smtClean="0"/>
-              <a:t>12/15/19</a:t>
+              <a:t>12/20/19</a:t>
             </a:fld>
             <a:endParaRPr lang="en-US"/>
           </a:p>
@@ -1828,7 +1813,7 @@
           <a:p>
             <a:fld id="{5B3AD1D6-AE87-C841-B3FD-7C9F7FCAE5AE}" type="datetimeFigureOut">
               <a:rPr lang="en-US" smtClean="0"/>
-              <a:t>12/15/19</a:t>
+              <a:t>12/20/19</a:t>
             </a:fld>
             <a:endParaRPr lang="en-US"/>
           </a:p>
@@ -1931,10 +1916,9 @@
           </a:lstStyle>
           <a:p>
             <a:r>
-              <a:rPr lang="en-US" smtClean="0"/>
+              <a:rPr lang="en-US"/>
               <a:t>Click to edit Master title style</a:t>
             </a:r>
-            <a:endParaRPr lang="en-US"/>
           </a:p>
         </p:txBody>
       </p:sp>
@@ -1988,38 +1972,37 @@
           <a:p>
             <a:pPr lvl="0"/>
             <a:r>
-              <a:rPr lang="en-US" smtClean="0"/>
+              <a:rPr lang="en-US"/>
               <a:t>Click to edit Master text styles</a:t>
             </a:r>
           </a:p>
           <a:p>
             <a:pPr lvl="1"/>
             <a:r>
-              <a:rPr lang="en-US" smtClean="0"/>
+              <a:rPr lang="en-US"/>
               <a:t>Second level</a:t>
             </a:r>
           </a:p>
           <a:p>
             <a:pPr lvl="2"/>
             <a:r>
-              <a:rPr lang="en-US" smtClean="0"/>
+              <a:rPr lang="en-US"/>
               <a:t>Third level</a:t>
             </a:r>
           </a:p>
           <a:p>
             <a:pPr lvl="3"/>
             <a:r>
-              <a:rPr lang="en-US" smtClean="0"/>
+              <a:rPr lang="en-US"/>
               <a:t>Fourth level</a:t>
             </a:r>
           </a:p>
           <a:p>
             <a:pPr lvl="4"/>
             <a:r>
-              <a:rPr lang="en-US" smtClean="0"/>
+              <a:rPr lang="en-US"/>
               <a:t>Fifth level</a:t>
             </a:r>
-            <a:endParaRPr lang="en-US"/>
           </a:p>
         </p:txBody>
       </p:sp>
@@ -2082,7 +2065,7 @@
           <a:p>
             <a:pPr lvl="0"/>
             <a:r>
-              <a:rPr lang="en-US" smtClean="0"/>
+              <a:rPr lang="en-US"/>
               <a:t>Click to edit Master text styles</a:t>
             </a:r>
           </a:p>
@@ -2105,7 +2088,7 @@
           <a:p>
             <a:fld id="{5B3AD1D6-AE87-C841-B3FD-7C9F7FCAE5AE}" type="datetimeFigureOut">
               <a:rPr lang="en-US" smtClean="0"/>
-              <a:t>12/15/19</a:t>
+              <a:t>12/20/19</a:t>
             </a:fld>
             <a:endParaRPr lang="en-US"/>
           </a:p>
@@ -2208,10 +2191,9 @@
           </a:lstStyle>
           <a:p>
             <a:r>
-              <a:rPr lang="en-US" smtClean="0"/>
+              <a:rPr lang="en-US"/>
               <a:t>Click to edit Master title style</a:t>
             </a:r>
-            <a:endParaRPr lang="en-US"/>
           </a:p>
         </p:txBody>
       </p:sp>
@@ -2335,7 +2317,7 @@
           <a:p>
             <a:pPr lvl="0"/>
             <a:r>
-              <a:rPr lang="en-US" smtClean="0"/>
+              <a:rPr lang="en-US"/>
               <a:t>Click to edit Master text styles</a:t>
             </a:r>
           </a:p>
@@ -2358,7 +2340,7 @@
           <a:p>
             <a:fld id="{5B3AD1D6-AE87-C841-B3FD-7C9F7FCAE5AE}" type="datetimeFigureOut">
               <a:rPr lang="en-US" smtClean="0"/>
-              <a:t>12/15/19</a:t>
+              <a:t>12/20/19</a:t>
             </a:fld>
             <a:endParaRPr lang="en-US"/>
           </a:p>
@@ -2467,10 +2449,9 @@
           <a:lstStyle/>
           <a:p>
             <a:r>
-              <a:rPr lang="en-US" smtClean="0"/>
+              <a:rPr lang="en-US"/>
               <a:t>Click to edit Master title style</a:t>
             </a:r>
-            <a:endParaRPr lang="en-US"/>
           </a:p>
         </p:txBody>
       </p:sp>
@@ -2501,38 +2482,37 @@
           <a:p>
             <a:pPr lvl="0"/>
             <a:r>
-              <a:rPr lang="en-US" smtClean="0"/>
+              <a:rPr lang="en-US"/>
               <a:t>Click to edit Master text styles</a:t>
             </a:r>
           </a:p>
           <a:p>
             <a:pPr lvl="1"/>
             <a:r>
-              <a:rPr lang="en-US" smtClean="0"/>
+              <a:rPr lang="en-US"/>
               <a:t>Second level</a:t>
             </a:r>
           </a:p>
           <a:p>
             <a:pPr lvl="2"/>
             <a:r>
-              <a:rPr lang="en-US" smtClean="0"/>
+              <a:rPr lang="en-US"/>
               <a:t>Third level</a:t>
             </a:r>
           </a:p>
           <a:p>
             <a:pPr lvl="3"/>
             <a:r>
-              <a:rPr lang="en-US" smtClean="0"/>
+              <a:rPr lang="en-US"/>
               <a:t>Fourth level</a:t>
             </a:r>
           </a:p>
           <a:p>
             <a:pPr lvl="4"/>
             <a:r>
-              <a:rPr lang="en-US" smtClean="0"/>
+              <a:rPr lang="en-US"/>
               <a:t>Fifth level</a:t>
             </a:r>
-            <a:endParaRPr lang="en-US"/>
           </a:p>
         </p:txBody>
       </p:sp>
@@ -2571,7 +2551,7 @@
           <a:p>
             <a:fld id="{5B3AD1D6-AE87-C841-B3FD-7C9F7FCAE5AE}" type="datetimeFigureOut">
               <a:rPr lang="en-US" smtClean="0"/>
-              <a:t>12/15/19</a:t>
+              <a:t>12/20/19</a:t>
             </a:fld>
             <a:endParaRPr lang="en-US"/>
           </a:p>
@@ -2998,29 +2978,6 @@
           </a:bodyPr>
           <a:lstStyle/>
           <a:p>
-            <a:r>
-              <a:rPr lang="en-US" sz="4000" dirty="0" smtClean="0">
-                <a:latin typeface="Arial Black" charset="0"/>
-                <a:ea typeface="Arial Black" charset="0"/>
-                <a:cs typeface="Arial Black" charset="0"/>
-              </a:rPr>
-              <a:t/>
-            </a:r>
-            <a:br>
-              <a:rPr lang="en-US" sz="4000" dirty="0" smtClean="0">
-                <a:latin typeface="Arial Black" charset="0"/>
-                <a:ea typeface="Arial Black" charset="0"/>
-                <a:cs typeface="Arial Black" charset="0"/>
-              </a:rPr>
-            </a:br>
-            <a:r>
-              <a:rPr lang="en-US" sz="4000" dirty="0">
-                <a:latin typeface="Arial Black" charset="0"/>
-                <a:ea typeface="Arial Black" charset="0"/>
-                <a:cs typeface="Arial Black" charset="0"/>
-              </a:rPr>
-              <a:t/>
-            </a:r>
             <a:br>
               <a:rPr lang="en-US" sz="4000" dirty="0">
                 <a:latin typeface="Arial Black" charset="0"/>
@@ -3028,29 +2985,6 @@
                 <a:cs typeface="Arial Black" charset="0"/>
               </a:rPr>
             </a:br>
-            <a:r>
-              <a:rPr lang="en-US" sz="4000" dirty="0" smtClean="0">
-                <a:latin typeface="Arial Black" charset="0"/>
-                <a:ea typeface="Arial Black" charset="0"/>
-                <a:cs typeface="Arial Black" charset="0"/>
-              </a:rPr>
-              <a:t/>
-            </a:r>
-            <a:br>
-              <a:rPr lang="en-US" sz="4000" dirty="0" smtClean="0">
-                <a:latin typeface="Arial Black" charset="0"/>
-                <a:ea typeface="Arial Black" charset="0"/>
-                <a:cs typeface="Arial Black" charset="0"/>
-              </a:rPr>
-            </a:br>
-            <a:r>
-              <a:rPr lang="en-US" sz="4000" dirty="0">
-                <a:latin typeface="Arial Black" charset="0"/>
-                <a:ea typeface="Arial Black" charset="0"/>
-                <a:cs typeface="Arial Black" charset="0"/>
-              </a:rPr>
-              <a:t/>
-            </a:r>
             <a:br>
               <a:rPr lang="en-US" sz="4000" dirty="0">
                 <a:latin typeface="Arial Black" charset="0"/>
@@ -3058,29 +2992,6 @@
                 <a:cs typeface="Arial Black" charset="0"/>
               </a:rPr>
             </a:br>
-            <a:r>
-              <a:rPr lang="en-US" sz="4000" dirty="0" smtClean="0">
-                <a:latin typeface="Arial Black" charset="0"/>
-                <a:ea typeface="Arial Black" charset="0"/>
-                <a:cs typeface="Arial Black" charset="0"/>
-              </a:rPr>
-              <a:t/>
-            </a:r>
-            <a:br>
-              <a:rPr lang="en-US" sz="4000" dirty="0" smtClean="0">
-                <a:latin typeface="Arial Black" charset="0"/>
-                <a:ea typeface="Arial Black" charset="0"/>
-                <a:cs typeface="Arial Black" charset="0"/>
-              </a:rPr>
-            </a:br>
-            <a:r>
-              <a:rPr lang="en-US" sz="4000" dirty="0">
-                <a:latin typeface="Arial Black" charset="0"/>
-                <a:ea typeface="Arial Black" charset="0"/>
-                <a:cs typeface="Arial Black" charset="0"/>
-              </a:rPr>
-              <a:t/>
-            </a:r>
             <a:br>
               <a:rPr lang="en-US" sz="4000" dirty="0">
                 <a:latin typeface="Arial Black" charset="0"/>
@@ -3088,29 +2999,6 @@
                 <a:cs typeface="Arial Black" charset="0"/>
               </a:rPr>
             </a:br>
-            <a:r>
-              <a:rPr lang="en-US" sz="4000" dirty="0" smtClean="0">
-                <a:latin typeface="Arial Black" charset="0"/>
-                <a:ea typeface="Arial Black" charset="0"/>
-                <a:cs typeface="Arial Black" charset="0"/>
-              </a:rPr>
-              <a:t/>
-            </a:r>
-            <a:br>
-              <a:rPr lang="en-US" sz="4000" dirty="0" smtClean="0">
-                <a:latin typeface="Arial Black" charset="0"/>
-                <a:ea typeface="Arial Black" charset="0"/>
-                <a:cs typeface="Arial Black" charset="0"/>
-              </a:rPr>
-            </a:br>
-            <a:r>
-              <a:rPr lang="en-US" sz="4000" dirty="0">
-                <a:latin typeface="Arial Black" charset="0"/>
-                <a:ea typeface="Arial Black" charset="0"/>
-                <a:cs typeface="Arial Black" charset="0"/>
-              </a:rPr>
-              <a:t/>
-            </a:r>
             <a:br>
               <a:rPr lang="en-US" sz="4000" dirty="0">
                 <a:latin typeface="Arial Black" charset="0"/>
@@ -3118,29 +3006,6 @@
                 <a:cs typeface="Arial Black" charset="0"/>
               </a:rPr>
             </a:br>
-            <a:r>
-              <a:rPr lang="en-US" sz="4000" dirty="0" smtClean="0">
-                <a:latin typeface="Arial Black" charset="0"/>
-                <a:ea typeface="Arial Black" charset="0"/>
-                <a:cs typeface="Arial Black" charset="0"/>
-              </a:rPr>
-              <a:t/>
-            </a:r>
-            <a:br>
-              <a:rPr lang="en-US" sz="4000" dirty="0" smtClean="0">
-                <a:latin typeface="Arial Black" charset="0"/>
-                <a:ea typeface="Arial Black" charset="0"/>
-                <a:cs typeface="Arial Black" charset="0"/>
-              </a:rPr>
-            </a:br>
-            <a:r>
-              <a:rPr lang="en-US" sz="4000" dirty="0">
-                <a:latin typeface="Arial Black" charset="0"/>
-                <a:ea typeface="Arial Black" charset="0"/>
-                <a:cs typeface="Arial Black" charset="0"/>
-              </a:rPr>
-              <a:t/>
-            </a:r>
             <a:br>
               <a:rPr lang="en-US" sz="4000" dirty="0">
                 <a:latin typeface="Arial Black" charset="0"/>
@@ -3148,23 +3013,50 @@
                 <a:cs typeface="Arial Black" charset="0"/>
               </a:rPr>
             </a:br>
-            <a:r>
-              <a:rPr lang="en-US" sz="4000" dirty="0" smtClean="0">
-                <a:latin typeface="Arial Black" charset="0"/>
-                <a:ea typeface="Arial Black" charset="0"/>
-                <a:cs typeface="Arial Black" charset="0"/>
-              </a:rPr>
-              <a:t/>
-            </a:r>
             <a:br>
-              <a:rPr lang="en-US" sz="4000" dirty="0" smtClean="0">
+              <a:rPr lang="en-US" sz="4000" dirty="0">
                 <a:latin typeface="Arial Black" charset="0"/>
                 <a:ea typeface="Arial Black" charset="0"/>
                 <a:cs typeface="Arial Black" charset="0"/>
               </a:rPr>
             </a:br>
-            <a:r>
-              <a:rPr lang="en-US" sz="6700" dirty="0" smtClean="0">
+            <a:br>
+              <a:rPr lang="en-US" sz="4000" dirty="0">
+                <a:latin typeface="Arial Black" charset="0"/>
+                <a:ea typeface="Arial Black" charset="0"/>
+                <a:cs typeface="Arial Black" charset="0"/>
+              </a:rPr>
+            </a:br>
+            <a:br>
+              <a:rPr lang="en-US" sz="4000" dirty="0">
+                <a:latin typeface="Arial Black" charset="0"/>
+                <a:ea typeface="Arial Black" charset="0"/>
+                <a:cs typeface="Arial Black" charset="0"/>
+              </a:rPr>
+            </a:br>
+            <a:br>
+              <a:rPr lang="en-US" sz="4000" dirty="0">
+                <a:latin typeface="Arial Black" charset="0"/>
+                <a:ea typeface="Arial Black" charset="0"/>
+                <a:cs typeface="Arial Black" charset="0"/>
+              </a:rPr>
+            </a:br>
+            <a:br>
+              <a:rPr lang="en-US" sz="4000" dirty="0">
+                <a:latin typeface="Arial Black" charset="0"/>
+                <a:ea typeface="Arial Black" charset="0"/>
+                <a:cs typeface="Arial Black" charset="0"/>
+              </a:rPr>
+            </a:br>
+            <a:br>
+              <a:rPr lang="en-US" sz="4000" dirty="0">
+                <a:latin typeface="Arial Black" charset="0"/>
+                <a:ea typeface="Arial Black" charset="0"/>
+                <a:cs typeface="Arial Black" charset="0"/>
+              </a:rPr>
+            </a:br>
+            <a:r>
+              <a:rPr lang="en-US" sz="6700" dirty="0">
                 <a:latin typeface="Arial Black" charset="0"/>
                 <a:ea typeface="Arial Black" charset="0"/>
                 <a:cs typeface="Arial Black" charset="0"/>
@@ -3172,14 +3064,14 @@
               <a:t>Problems</a:t>
             </a:r>
             <a:br>
-              <a:rPr lang="en-US" sz="6700" dirty="0" smtClean="0">
+              <a:rPr lang="en-US" sz="6700" dirty="0">
                 <a:latin typeface="Arial Black" charset="0"/>
                 <a:ea typeface="Arial Black" charset="0"/>
                 <a:cs typeface="Arial Black" charset="0"/>
               </a:rPr>
             </a:br>
             <a:r>
-              <a:rPr lang="en-US" sz="6700" dirty="0" smtClean="0">
+              <a:rPr lang="en-US" sz="6700" dirty="0">
                 <a:latin typeface="Arial Black" charset="0"/>
                 <a:ea typeface="Arial Black" charset="0"/>
                 <a:cs typeface="Arial Black" charset="0"/>
@@ -3187,53 +3079,37 @@
               <a:t>on</a:t>
             </a:r>
             <a:br>
-              <a:rPr lang="en-US" sz="6700" dirty="0" smtClean="0">
+              <a:rPr lang="en-US" sz="6700" dirty="0">
                 <a:latin typeface="Arial Black" charset="0"/>
                 <a:ea typeface="Arial Black" charset="0"/>
                 <a:cs typeface="Arial Black" charset="0"/>
               </a:rPr>
             </a:br>
             <a:r>
-              <a:rPr lang="en-US" sz="6700" dirty="0" smtClean="0">
+              <a:rPr lang="en-US" sz="6700" dirty="0">
                 <a:latin typeface="Arial Black" charset="0"/>
                 <a:ea typeface="Arial Black" charset="0"/>
                 <a:cs typeface="Arial Black" charset="0"/>
               </a:rPr>
-              <a:t>Change </a:t>
-            </a:r>
-            <a:r>
-              <a:rPr lang="en-US" sz="6700" smtClean="0">
-                <a:latin typeface="Arial Black" charset="0"/>
-                <a:ea typeface="Arial Black" charset="0"/>
-                <a:cs typeface="Arial Black" charset="0"/>
-              </a:rPr>
-              <a:t>of Variable</a:t>
-            </a:r>
-            <a:r>
-              <a:rPr lang="en-US" sz="6700" dirty="0" smtClean="0">
-                <a:latin typeface="Arial Black" charset="0"/>
-                <a:ea typeface="Arial Black" charset="0"/>
-                <a:cs typeface="Arial Black" charset="0"/>
-              </a:rPr>
-              <a:t/>
+              <a:t>Change of Variable</a:t>
             </a:r>
             <a:br>
-              <a:rPr lang="en-US" sz="6700" dirty="0" smtClean="0">
+              <a:rPr lang="en-US" sz="6700" dirty="0">
                 <a:latin typeface="Arial Black" charset="0"/>
                 <a:ea typeface="Arial Black" charset="0"/>
                 <a:cs typeface="Arial Black" charset="0"/>
               </a:rPr>
             </a:br>
             <a:r>
-              <a:rPr lang="en-US" sz="6700" dirty="0" smtClean="0">
+              <a:rPr lang="en-US" altLang="ko-KR" sz="6700" dirty="0">
                 <a:latin typeface="Arial Black" charset="0"/>
                 <a:ea typeface="Arial Black" charset="0"/>
                 <a:cs typeface="Arial Black" charset="0"/>
               </a:rPr>
-              <a:t/>
+              <a:t>2016</a:t>
             </a:r>
             <a:br>
-              <a:rPr lang="en-US" sz="6700" dirty="0" smtClean="0">
+              <a:rPr lang="en-US" sz="6700" dirty="0">
                 <a:latin typeface="Arial Black" charset="0"/>
                 <a:ea typeface="Arial Black" charset="0"/>
                 <a:cs typeface="Arial Black" charset="0"/>
@@ -3321,18 +3197,13 @@
           <a:lstStyle/>
           <a:p>
             <a:r>
-              <a:rPr lang="en-US" sz="4000" dirty="0" smtClean="0">
+              <a:rPr lang="en-US" sz="4000" dirty="0">
                 <a:latin typeface="Arial Black" charset="0"/>
                 <a:ea typeface="Arial Black" charset="0"/>
                 <a:cs typeface="Arial Black" charset="0"/>
               </a:rPr>
               <a:t>Reference</a:t>
             </a:r>
-            <a:endParaRPr lang="en-US" sz="4000" dirty="0">
-              <a:latin typeface="Arial Black" charset="0"/>
-              <a:ea typeface="Arial Black" charset="0"/>
-              <a:cs typeface="Arial Black" charset="0"/>
-            </a:endParaRPr>
           </a:p>
         </p:txBody>
       </p:sp>
@@ -3351,7 +3222,7 @@
           <a:bodyPr/>
           <a:lstStyle/>
           <a:p>
-            <a:endParaRPr lang="en-US" sz="2000" dirty="0" smtClean="0">
+            <a:endParaRPr lang="en-US" sz="2000" dirty="0">
               <a:latin typeface="Arial Black" charset="0"/>
               <a:ea typeface="Arial Black" charset="0"/>
               <a:cs typeface="Arial Black" charset="0"/>
@@ -3360,7 +3231,7 @@
           </a:p>
           <a:p>
             <a:r>
-              <a:rPr lang="en-US" sz="2000" dirty="0" smtClean="0">
+              <a:rPr lang="en-US" sz="2000" dirty="0">
                 <a:latin typeface="Arial Black" charset="0"/>
                 <a:ea typeface="Arial Black" charset="0"/>
                 <a:cs typeface="Arial Black" charset="0"/>
@@ -3368,14 +3239,14 @@
               </a:rPr>
               <a:t>Data</a:t>
             </a:r>
-            <a:endParaRPr lang="en-US" sz="2000" dirty="0" smtClean="0">
+            <a:endParaRPr lang="en-US" sz="2000" dirty="0">
               <a:latin typeface="Arial Black" charset="0"/>
               <a:ea typeface="Arial Black" charset="0"/>
               <a:cs typeface="Arial Black" charset="0"/>
             </a:endParaRPr>
           </a:p>
           <a:p>
-            <a:endParaRPr lang="en-US" sz="2000" dirty="0" smtClean="0">
+            <a:endParaRPr lang="en-US" sz="2000" dirty="0">
               <a:latin typeface="Arial Black" charset="0"/>
               <a:ea typeface="Arial Black" charset="0"/>
               <a:cs typeface="Arial Black" charset="0"/>
@@ -3383,7 +3254,7 @@
           </a:p>
           <a:p>
             <a:r>
-              <a:rPr lang="en-US" sz="2000" dirty="0" smtClean="0">
+              <a:rPr lang="en-US" sz="2000" dirty="0">
                 <a:latin typeface="Arial Black" charset="0"/>
                 <a:ea typeface="Arial Black" charset="0"/>
                 <a:cs typeface="Arial Black" charset="0"/>
@@ -3391,14 +3262,14 @@
               </a:rPr>
               <a:t>Youtube</a:t>
             </a:r>
-            <a:endParaRPr lang="en-US" sz="2000" dirty="0" smtClean="0">
+            <a:endParaRPr lang="en-US" sz="2000" dirty="0">
               <a:latin typeface="Arial Black" charset="0"/>
               <a:ea typeface="Arial Black" charset="0"/>
               <a:cs typeface="Arial Black" charset="0"/>
             </a:endParaRPr>
           </a:p>
           <a:p>
-            <a:endParaRPr lang="en-US" dirty="0" smtClean="0">
+            <a:endParaRPr lang="en-US" dirty="0">
               <a:latin typeface="Arial Black" charset="0"/>
               <a:ea typeface="Arial Black" charset="0"/>
               <a:cs typeface="Arial Black" charset="0"/>
@@ -3406,7 +3277,7 @@
           </a:p>
           <a:p>
             <a:r>
-              <a:rPr lang="en-US" sz="2000" dirty="0" smtClean="0">
+              <a:rPr lang="en-US" sz="2000" dirty="0">
                 <a:latin typeface="Arial Black" charset="0"/>
                 <a:ea typeface="Arial Black" charset="0"/>
                 <a:cs typeface="Arial Black" charset="0"/>
@@ -3414,7 +3285,7 @@
               </a:rPr>
               <a:t>Code</a:t>
             </a:r>
-            <a:endParaRPr lang="en-US" sz="2000" dirty="0" smtClean="0">
+            <a:endParaRPr lang="en-US" sz="2000" dirty="0">
               <a:latin typeface="Arial Black" charset="0"/>
               <a:ea typeface="Arial Black" charset="0"/>
               <a:cs typeface="Arial Black" charset="0"/>
@@ -3433,13 +3304,6 @@
   <p:clrMapOvr>
     <a:masterClrMapping/>
   </p:clrMapOvr>
-  <p:timing>
-    <p:tnLst>
-      <p:par>
-        <p:cTn id="1" dur="indefinite" restart="never" nodeType="tmRoot"/>
-      </p:par>
-    </p:tnLst>
-  </p:timing>
 </p:sld>
 </file>
 
@@ -3483,7 +3347,7 @@
           <a:lstStyle/>
           <a:p>
             <a:r>
-              <a:rPr lang="en-US" sz="4000" dirty="0" smtClean="0">
+              <a:rPr lang="en-US" sz="4000" dirty="0">
                 <a:latin typeface="Arial Black" charset="0"/>
                 <a:ea typeface="Arial Black" charset="0"/>
                 <a:cs typeface="Arial Black" charset="0"/>
@@ -3491,7 +3355,7 @@
               <a:t>[201</a:t>
             </a:r>
             <a:r>
-              <a:rPr lang="en-US" altLang="ko-KR" sz="4000" dirty="0" smtClean="0">
+              <a:rPr lang="en-US" altLang="ko-KR" sz="4000" dirty="0">
                 <a:latin typeface="Arial Black" charset="0"/>
                 <a:ea typeface="Arial Black" charset="0"/>
                 <a:cs typeface="Arial Black" charset="0"/>
@@ -3499,18 +3363,13 @@
               <a:t>6</a:t>
             </a:r>
             <a:r>
-              <a:rPr lang="en-US" sz="4000" dirty="0" smtClean="0">
+              <a:rPr lang="en-US" sz="4000" dirty="0">
                 <a:latin typeface="Arial Black" charset="0"/>
                 <a:ea typeface="Arial Black" charset="0"/>
                 <a:cs typeface="Arial Black" charset="0"/>
               </a:rPr>
               <a:t>]</a:t>
             </a:r>
-            <a:endParaRPr lang="en-US" sz="4000" dirty="0">
-              <a:latin typeface="Arial Black" charset="0"/>
-              <a:ea typeface="Arial Black" charset="0"/>
-              <a:cs typeface="Arial Black" charset="0"/>
-            </a:endParaRPr>
           </a:p>
         </p:txBody>
       </p:sp>
@@ -3866,8 +3725,8 @@
         </p:blipFill>
         <p:spPr>
           <a:xfrm>
-            <a:off x="2117422" y="381964"/>
-            <a:ext cx="8406468" cy="3206188"/>
+            <a:off x="3262332" y="443748"/>
+            <a:ext cx="5667335" cy="2161495"/>
           </a:xfrm>
           <a:prstGeom prst="rect">
             <a:avLst/>
@@ -3877,7 +3736,7 @@
     </p:spTree>
     <p:extLst>
       <p:ext uri="{BB962C8B-B14F-4D97-AF65-F5344CB8AC3E}">
-        <p14:creationId xmlns:p14="http://schemas.microsoft.com/office/powerpoint/2010/main" val="478827467"/>
+        <p14:creationId xmlns:p14="http://schemas.microsoft.com/office/powerpoint/2010/main" val="112147063"/>
       </p:ext>
     </p:extLst>
   </p:cSld>
@@ -3926,8 +3785,8 @@
         </p:blipFill>
         <p:spPr>
           <a:xfrm>
-            <a:off x="2117422" y="381964"/>
-            <a:ext cx="8406468" cy="3206188"/>
+            <a:off x="3262332" y="443748"/>
+            <a:ext cx="5667335" cy="2161495"/>
           </a:xfrm>
           <a:prstGeom prst="rect">
             <a:avLst/>
@@ -3956,8 +3815,8 @@
         </p:blipFill>
         <p:spPr>
           <a:xfrm>
-            <a:off x="1710319" y="3889092"/>
-            <a:ext cx="9220673" cy="2828564"/>
+            <a:off x="3649659" y="2894220"/>
+            <a:ext cx="5506697" cy="1689252"/>
           </a:xfrm>
           <a:prstGeom prst="rect">
             <a:avLst/>
@@ -3967,7 +3826,127 @@
     </p:spTree>
     <p:extLst>
       <p:ext uri="{BB962C8B-B14F-4D97-AF65-F5344CB8AC3E}">
-        <p14:creationId xmlns:p14="http://schemas.microsoft.com/office/powerpoint/2010/main" val="112147063"/>
+        <p14:creationId xmlns:p14="http://schemas.microsoft.com/office/powerpoint/2010/main" val="4071242162"/>
+      </p:ext>
+    </p:extLst>
+  </p:cSld>
+  <p:clrMapOvr>
+    <a:masterClrMapping/>
+  </p:clrMapOvr>
+</p:sld>
+</file>
+
+<file path=ppt/slides/slide9.xml><?xml version="1.0" encoding="utf-8"?>
+<p:sld xmlns:a="http://schemas.openxmlformats.org/drawingml/2006/main" xmlns:r="http://schemas.openxmlformats.org/officeDocument/2006/relationships" xmlns:p="http://schemas.openxmlformats.org/presentationml/2006/main">
+  <p:cSld>
+    <p:spTree>
+      <p:nvGrpSpPr>
+        <p:cNvPr id="1" name=""/>
+        <p:cNvGrpSpPr/>
+        <p:nvPr/>
+      </p:nvGrpSpPr>
+      <p:grpSpPr>
+        <a:xfrm>
+          <a:off x="0" y="0"/>
+          <a:ext cx="0" cy="0"/>
+          <a:chOff x="0" y="0"/>
+          <a:chExt cx="0" cy="0"/>
+        </a:xfrm>
+      </p:grpSpPr>
+      <p:pic>
+        <p:nvPicPr>
+          <p:cNvPr id="2" name="Picture 1"/>
+          <p:cNvPicPr>
+            <a:picLocks noChangeAspect="1"/>
+          </p:cNvPicPr>
+          <p:nvPr/>
+        </p:nvPicPr>
+        <p:blipFill>
+          <a:blip r:embed="rId2">
+            <a:extLst>
+              <a:ext uri="{28A0092B-C50C-407E-A947-70E740481C1C}">
+                <a14:useLocalDpi xmlns:a14="http://schemas.microsoft.com/office/drawing/2010/main" val="0"/>
+              </a:ext>
+            </a:extLst>
+          </a:blip>
+          <a:stretch>
+            <a:fillRect/>
+          </a:stretch>
+        </p:blipFill>
+        <p:spPr>
+          <a:xfrm>
+            <a:off x="3262332" y="443748"/>
+            <a:ext cx="5667335" cy="2161495"/>
+          </a:xfrm>
+          <a:prstGeom prst="rect">
+            <a:avLst/>
+          </a:prstGeom>
+        </p:spPr>
+      </p:pic>
+      <p:pic>
+        <p:nvPicPr>
+          <p:cNvPr id="3" name="Picture 2"/>
+          <p:cNvPicPr>
+            <a:picLocks noChangeAspect="1"/>
+          </p:cNvPicPr>
+          <p:nvPr/>
+        </p:nvPicPr>
+        <p:blipFill>
+          <a:blip r:embed="rId3">
+            <a:extLst>
+              <a:ext uri="{28A0092B-C50C-407E-A947-70E740481C1C}">
+                <a14:useLocalDpi xmlns:a14="http://schemas.microsoft.com/office/drawing/2010/main" val="0"/>
+              </a:ext>
+            </a:extLst>
+          </a:blip>
+          <a:stretch>
+            <a:fillRect/>
+          </a:stretch>
+        </p:blipFill>
+        <p:spPr>
+          <a:xfrm>
+            <a:off x="3649659" y="2894220"/>
+            <a:ext cx="5506697" cy="1689252"/>
+          </a:xfrm>
+          <a:prstGeom prst="rect">
+            <a:avLst/>
+          </a:prstGeom>
+        </p:spPr>
+      </p:pic>
+      <p:pic>
+        <p:nvPicPr>
+          <p:cNvPr id="5" name="Picture 4" descr="A picture containing knife&#10;&#10;Description automatically generated">
+            <a:extLst>
+              <a:ext uri="{FF2B5EF4-FFF2-40B4-BE49-F238E27FC236}">
+                <a16:creationId xmlns:a16="http://schemas.microsoft.com/office/drawing/2014/main" id="{8C8CD977-E9F7-0641-B301-137AF561F686}"/>
+              </a:ext>
+            </a:extLst>
+          </p:cNvPr>
+          <p:cNvPicPr>
+            <a:picLocks noChangeAspect="1"/>
+          </p:cNvPicPr>
+          <p:nvPr/>
+        </p:nvPicPr>
+        <p:blipFill>
+          <a:blip r:embed="rId4"/>
+          <a:stretch>
+            <a:fillRect/>
+          </a:stretch>
+        </p:blipFill>
+        <p:spPr>
+          <a:xfrm>
+            <a:off x="3355007" y="4872449"/>
+            <a:ext cx="6096000" cy="1804334"/>
+          </a:xfrm>
+          <a:prstGeom prst="rect">
+            <a:avLst/>
+          </a:prstGeom>
+        </p:spPr>
+      </p:pic>
+    </p:spTree>
+    <p:extLst>
+      <p:ext uri="{BB962C8B-B14F-4D97-AF65-F5344CB8AC3E}">
+        <p14:creationId xmlns:p14="http://schemas.microsoft.com/office/powerpoint/2010/main" val="2781035383"/>
       </p:ext>
     </p:extLst>
   </p:cSld>
